--- a/generated/generated_Presentation1.pptx
+++ b/generated/generated_Presentation1.pptx
@@ -507,7 +507,7 @@
           <a:lstStyle/>
           <a:p>
             <a:r>
-              <a:t>Speaker notes: Introduce Google Search API and the necessary requirements to use it.</a:t>
+              <a:t>Speaker notes: Introduce Google Search API, its uses, and the components required to use the API.</a:t>
             </a:r>
           </a:p>
         </p:txBody>
@@ -577,7 +577,7 @@
           <a:lstStyle/>
           <a:p>
             <a:r>
-              <a:t>Speaker notes: Step by step guide on how to generate an API Key for Google Search API.</a:t>
+              <a:t>Speaker notes: Explain the process of generating API Key and Search Engine ID step by step.</a:t>
             </a:r>
           </a:p>
         </p:txBody>
@@ -647,7 +647,7 @@
           <a:lstStyle/>
           <a:p>
             <a:r>
-              <a:t>Speaker notes: Show an example of using the API and how the response is formatted in JSON.</a:t>
+              <a:t>Speaker notes: Show an example API request and its JSON output, highlighting key notes about the response format and content.</a:t>
             </a:r>
           </a:p>
         </p:txBody>
@@ -4379,7 +4379,7 @@
           <a:lstStyle/>
           <a:p>
             <a:r>
-              <a:t>Slide 1 - Introduction</a:t>
+              <a:t>Slide 1 - Introduction to Google Search API</a:t>
             </a:r>
           </a:p>
         </p:txBody>
@@ -4402,13 +4402,19 @@
           <a:p>
             <a:pPr/>
             <a:r>
-              <a:t>Google provides a Custom Search JSON API for integrating search results into apps.</a:t>
+              <a:t>Google provides Custom Search JSON API for developers to retrieve search results programmatically</a:t>
             </a:r>
           </a:p>
           <a:p>
             <a:pPr/>
             <a:r>
-              <a:t>To use it, you need: An API Key (from Google Cloud Console) and A Search Engine ID (cx) (from Custom Search Engine)</a:t>
+              <a:t>Widely used for building search features, research, analytics, and data extraction</a:t>
+            </a:r>
+          </a:p>
+          <a:p>
+            <a:pPr/>
+            <a:r>
+              <a:t>Requires API Key and Search Engine ID</a:t>
             </a:r>
           </a:p>
         </p:txBody>
@@ -4447,7 +4453,7 @@
           <a:lstStyle/>
           <a:p>
             <a:r>
-              <a:t>Slide 2 - Steps to Get API Key</a:t>
+              <a:t>Slide 2 - Steps to Generate API Key and Search Engine ID</a:t>
             </a:r>
           </a:p>
         </p:txBody>
@@ -4470,31 +4476,13 @@
           <a:p>
             <a:pPr/>
             <a:r>
-              <a:t>Go to Google Cloud Console</a:t>
+              <a:t>Go to Google Cloud Console, create/select a project, enable Custom Search API</a:t>
             </a:r>
           </a:p>
           <a:p>
             <a:pPr/>
             <a:r>
-              <a:t>Create/select a project</a:t>
-            </a:r>
-          </a:p>
-          <a:p>
-            <a:pPr/>
-            <a:r>
-              <a:t>Enable Custom Search API in Library</a:t>
-            </a:r>
-          </a:p>
-          <a:p>
-            <a:pPr/>
-            <a:r>
-              <a:t>Go to APIs &amp; Services → Credentials → Create API Key</a:t>
-            </a:r>
-          </a:p>
-          <a:p>
-            <a:pPr/>
-            <a:r>
-              <a:t>Copy &amp; secure your API key</a:t>
+              <a:t>Create API Key and Custom Search Engine to get API Key and Search Engine ID</a:t>
             </a:r>
           </a:p>
         </p:txBody>
@@ -4533,7 +4521,7 @@
           <a:lstStyle/>
           <a:p>
             <a:r>
-              <a:t>Slide 3 - Example Usage</a:t>
+              <a:t>Slide 3 - Example Request &amp; Output</a:t>
             </a:r>
           </a:p>
         </p:txBody>
@@ -4556,13 +4544,13 @@
           <a:p>
             <a:pPr/>
             <a:r>
-              <a:t>API Request format: https://www.googleapis.com/customsearch/v1?key=YOUR_API_KEY&amp;cx=YOUR_SEARCH_ENGINE_ID&amp;q=SEARCH_TERM</a:t>
+              <a:t>Sample API request includes API Key, Search Engine ID, and query parameters</a:t>
             </a:r>
           </a:p>
           <a:p>
             <a:pPr/>
             <a:r>
-              <a:t>Example: Searching 'ChatGPT' Response returns results in JSON format (title, snippet, link, etc.)</a:t>
+              <a:t>Sample JSON output contains title, snippet, and URL information</a:t>
             </a:r>
           </a:p>
         </p:txBody>
